--- a/IT007 - Database/Thực hành Lab 2.pptx
+++ b/IT007 - Database/Thực hành Lab 2.pptx
@@ -202,7 +202,7 @@
           <a:p>
             <a:fld id="{263ACD1C-2A3C-4674-B5C6-4201F37CAA11}" type="datetimeFigureOut">
               <a:rPr lang="vi-VN" smtClean="0"/>
-              <a:t>28/10/2021</a:t>
+              <a:t>16/11/2021</a:t>
             </a:fld>
             <a:endParaRPr lang="vi-VN"/>
           </a:p>
@@ -701,9 +701,9 @@
           <a:bodyPr/>
           <a:lstStyle/>
           <a:p>
-            <a:fld id="{D6FD8ED2-2D9F-4C81-BE7D-991A79BF6488}" type="datetimeFigureOut">
+            <a:fld id="{5B3EF0E3-5240-4EFD-9F96-59803319E344}" type="datetime1">
               <a:rPr lang="vi-VN" smtClean="0"/>
-              <a:t>28/10/2021</a:t>
+              <a:t>16/11/2021</a:t>
             </a:fld>
             <a:endParaRPr lang="vi-VN"/>
           </a:p>
@@ -899,9 +899,9 @@
           <a:bodyPr/>
           <a:lstStyle/>
           <a:p>
-            <a:fld id="{D6FD8ED2-2D9F-4C81-BE7D-991A79BF6488}" type="datetimeFigureOut">
+            <a:fld id="{9A81C8FC-CA3D-471E-AADB-E93DBB3FE97E}" type="datetime1">
               <a:rPr lang="vi-VN" smtClean="0"/>
-              <a:t>28/10/2021</a:t>
+              <a:t>16/11/2021</a:t>
             </a:fld>
             <a:endParaRPr lang="vi-VN"/>
           </a:p>
@@ -1107,9 +1107,9 @@
           <a:bodyPr/>
           <a:lstStyle/>
           <a:p>
-            <a:fld id="{D6FD8ED2-2D9F-4C81-BE7D-991A79BF6488}" type="datetimeFigureOut">
+            <a:fld id="{44F0DD49-C64E-4914-AB5D-16F5C52BD8E6}" type="datetime1">
               <a:rPr lang="vi-VN" smtClean="0"/>
-              <a:t>28/10/2021</a:t>
+              <a:t>16/11/2021</a:t>
             </a:fld>
             <a:endParaRPr lang="vi-VN"/>
           </a:p>
@@ -1305,9 +1305,9 @@
           <a:bodyPr/>
           <a:lstStyle/>
           <a:p>
-            <a:fld id="{D6FD8ED2-2D9F-4C81-BE7D-991A79BF6488}" type="datetimeFigureOut">
+            <a:fld id="{5BFF6196-0452-4FDF-B9C2-DE9867462EB0}" type="datetime1">
               <a:rPr lang="vi-VN" smtClean="0"/>
-              <a:t>28/10/2021</a:t>
+              <a:t>16/11/2021</a:t>
             </a:fld>
             <a:endParaRPr lang="vi-VN"/>
           </a:p>
@@ -1580,9 +1580,9 @@
           <a:bodyPr/>
           <a:lstStyle/>
           <a:p>
-            <a:fld id="{D6FD8ED2-2D9F-4C81-BE7D-991A79BF6488}" type="datetimeFigureOut">
+            <a:fld id="{37B14F7A-45A6-4650-B3B6-E4E1E04EA17F}" type="datetime1">
               <a:rPr lang="vi-VN" smtClean="0"/>
-              <a:t>28/10/2021</a:t>
+              <a:t>16/11/2021</a:t>
             </a:fld>
             <a:endParaRPr lang="vi-VN"/>
           </a:p>
@@ -1845,9 +1845,9 @@
           <a:bodyPr/>
           <a:lstStyle/>
           <a:p>
-            <a:fld id="{D6FD8ED2-2D9F-4C81-BE7D-991A79BF6488}" type="datetimeFigureOut">
+            <a:fld id="{7D3A00BC-02E6-45F0-B286-97CB7BAF3D9B}" type="datetime1">
               <a:rPr lang="vi-VN" smtClean="0"/>
-              <a:t>28/10/2021</a:t>
+              <a:t>16/11/2021</a:t>
             </a:fld>
             <a:endParaRPr lang="vi-VN"/>
           </a:p>
@@ -2257,9 +2257,9 @@
           <a:bodyPr/>
           <a:lstStyle/>
           <a:p>
-            <a:fld id="{D6FD8ED2-2D9F-4C81-BE7D-991A79BF6488}" type="datetimeFigureOut">
+            <a:fld id="{062450B4-B26D-4CBC-B4A7-1C500D563D3B}" type="datetime1">
               <a:rPr lang="vi-VN" smtClean="0"/>
-              <a:t>28/10/2021</a:t>
+              <a:t>16/11/2021</a:t>
             </a:fld>
             <a:endParaRPr lang="vi-VN"/>
           </a:p>
@@ -2398,9 +2398,9 @@
           <a:bodyPr/>
           <a:lstStyle/>
           <a:p>
-            <a:fld id="{D6FD8ED2-2D9F-4C81-BE7D-991A79BF6488}" type="datetimeFigureOut">
+            <a:fld id="{1512A4DD-845B-4B91-B062-138911FF746C}" type="datetime1">
               <a:rPr lang="vi-VN" smtClean="0"/>
-              <a:t>28/10/2021</a:t>
+              <a:t>16/11/2021</a:t>
             </a:fld>
             <a:endParaRPr lang="vi-VN"/>
           </a:p>
@@ -2511,9 +2511,9 @@
           <a:bodyPr/>
           <a:lstStyle/>
           <a:p>
-            <a:fld id="{D6FD8ED2-2D9F-4C81-BE7D-991A79BF6488}" type="datetimeFigureOut">
+            <a:fld id="{D13E1D31-BD78-4363-ADC9-5777F151AA2E}" type="datetime1">
               <a:rPr lang="vi-VN" smtClean="0"/>
-              <a:t>28/10/2021</a:t>
+              <a:t>16/11/2021</a:t>
             </a:fld>
             <a:endParaRPr lang="vi-VN"/>
           </a:p>
@@ -2822,9 +2822,9 @@
           <a:bodyPr/>
           <a:lstStyle/>
           <a:p>
-            <a:fld id="{D6FD8ED2-2D9F-4C81-BE7D-991A79BF6488}" type="datetimeFigureOut">
+            <a:fld id="{9FCB89C4-4E77-408F-9A09-4DC9DF3FE34A}" type="datetime1">
               <a:rPr lang="vi-VN" smtClean="0"/>
-              <a:t>28/10/2021</a:t>
+              <a:t>16/11/2021</a:t>
             </a:fld>
             <a:endParaRPr lang="vi-VN"/>
           </a:p>
@@ -3110,9 +3110,9 @@
           <a:bodyPr/>
           <a:lstStyle/>
           <a:p>
-            <a:fld id="{D6FD8ED2-2D9F-4C81-BE7D-991A79BF6488}" type="datetimeFigureOut">
+            <a:fld id="{50B1ECBD-3B48-4B56-B1CF-1B94DBFB6F71}" type="datetime1">
               <a:rPr lang="vi-VN" smtClean="0"/>
-              <a:t>28/10/2021</a:t>
+              <a:t>16/11/2021</a:t>
             </a:fld>
             <a:endParaRPr lang="vi-VN"/>
           </a:p>
@@ -3351,9 +3351,9 @@
             </a:lvl1pPr>
           </a:lstStyle>
           <a:p>
-            <a:fld id="{D6FD8ED2-2D9F-4C81-BE7D-991A79BF6488}" type="datetimeFigureOut">
+            <a:fld id="{58853711-EB5E-4679-ADC2-C65D4F543B32}" type="datetime1">
               <a:rPr lang="vi-VN" smtClean="0"/>
-              <a:t>28/10/2021</a:t>
+              <a:t>16/11/2021</a:t>
             </a:fld>
             <a:endParaRPr lang="vi-VN"/>
           </a:p>
@@ -3470,6 +3470,7 @@
     <p:sldLayoutId id="2147483658" r:id="rId10"/>
     <p:sldLayoutId id="2147483659" r:id="rId11"/>
   </p:sldLayoutIdLst>
+  <p:hf hdr="0" ftr="0" dt="0"/>
   <p:txStyles>
     <p:titleStyle>
       <a:lvl1pPr algn="l" defTabSz="914400" rtl="0" eaLnBrk="1" latinLnBrk="0" hangingPunct="1">
@@ -3863,6 +3864,35 @@
           </a:p>
         </p:txBody>
       </p:sp>
+      <p:sp>
+        <p:nvSpPr>
+          <p:cNvPr id="4" name="Chỗ dành sẵn cho Số hiệu Bản chiếu 3">
+            <a:extLst>
+              <a:ext uri="{FF2B5EF4-FFF2-40B4-BE49-F238E27FC236}">
+                <a16:creationId xmlns:a16="http://schemas.microsoft.com/office/drawing/2014/main" id="{B76709D5-1416-4439-A96D-76A06885CAD1}"/>
+              </a:ext>
+            </a:extLst>
+          </p:cNvPr>
+          <p:cNvSpPr>
+            <a:spLocks noGrp="1"/>
+          </p:cNvSpPr>
+          <p:nvPr>
+            <p:ph type="sldNum" sz="quarter" idx="12"/>
+          </p:nvPr>
+        </p:nvSpPr>
+        <p:spPr/>
+        <p:txBody>
+          <a:bodyPr/>
+          <a:lstStyle/>
+          <a:p>
+            <a:fld id="{369936ED-89B5-49BF-A03F-054AD1687037}" type="slidenum">
+              <a:rPr lang="vi-VN" smtClean="0"/>
+              <a:t>1</a:t>
+            </a:fld>
+            <a:endParaRPr lang="vi-VN"/>
+          </a:p>
+        </p:txBody>
+      </p:sp>
     </p:spTree>
     <p:extLst>
       <p:ext uri="{BB962C8B-B14F-4D97-AF65-F5344CB8AC3E}">
@@ -4025,6 +4055,35 @@
           </a:p>
         </p:txBody>
       </p:sp>
+      <p:sp>
+        <p:nvSpPr>
+          <p:cNvPr id="4" name="Chỗ dành sẵn cho Số hiệu Bản chiếu 3">
+            <a:extLst>
+              <a:ext uri="{FF2B5EF4-FFF2-40B4-BE49-F238E27FC236}">
+                <a16:creationId xmlns:a16="http://schemas.microsoft.com/office/drawing/2014/main" id="{3206EFBE-68DB-43A6-B42E-DBFC26599D4B}"/>
+              </a:ext>
+            </a:extLst>
+          </p:cNvPr>
+          <p:cNvSpPr>
+            <a:spLocks noGrp="1"/>
+          </p:cNvSpPr>
+          <p:nvPr>
+            <p:ph type="sldNum" sz="quarter" idx="12"/>
+          </p:nvPr>
+        </p:nvSpPr>
+        <p:spPr/>
+        <p:txBody>
+          <a:bodyPr/>
+          <a:lstStyle/>
+          <a:p>
+            <a:fld id="{369936ED-89B5-49BF-A03F-054AD1687037}" type="slidenum">
+              <a:rPr lang="vi-VN" smtClean="0"/>
+              <a:t>2</a:t>
+            </a:fld>
+            <a:endParaRPr lang="vi-VN"/>
+          </a:p>
+        </p:txBody>
+      </p:sp>
     </p:spTree>
     <p:extLst>
       <p:ext uri="{BB962C8B-B14F-4D97-AF65-F5344CB8AC3E}">
@@ -4176,6 +4235,35 @@
           </a:p>
         </p:txBody>
       </p:sp>
+      <p:sp>
+        <p:nvSpPr>
+          <p:cNvPr id="4" name="Chỗ dành sẵn cho Số hiệu Bản chiếu 3">
+            <a:extLst>
+              <a:ext uri="{FF2B5EF4-FFF2-40B4-BE49-F238E27FC236}">
+                <a16:creationId xmlns:a16="http://schemas.microsoft.com/office/drawing/2014/main" id="{A02007E5-4CB8-480D-A12D-88211BD6BAA8}"/>
+              </a:ext>
+            </a:extLst>
+          </p:cNvPr>
+          <p:cNvSpPr>
+            <a:spLocks noGrp="1"/>
+          </p:cNvSpPr>
+          <p:nvPr>
+            <p:ph type="sldNum" sz="quarter" idx="12"/>
+          </p:nvPr>
+        </p:nvSpPr>
+        <p:spPr/>
+        <p:txBody>
+          <a:bodyPr/>
+          <a:lstStyle/>
+          <a:p>
+            <a:fld id="{369936ED-89B5-49BF-A03F-054AD1687037}" type="slidenum">
+              <a:rPr lang="vi-VN" smtClean="0"/>
+              <a:t>3</a:t>
+            </a:fld>
+            <a:endParaRPr lang="vi-VN"/>
+          </a:p>
+        </p:txBody>
+      </p:sp>
     </p:spTree>
     <p:extLst>
       <p:ext uri="{BB962C8B-B14F-4D97-AF65-F5344CB8AC3E}">
@@ -4275,6 +4363,35 @@
           </a:p>
         </p:txBody>
       </p:sp>
+      <p:sp>
+        <p:nvSpPr>
+          <p:cNvPr id="4" name="Chỗ dành sẵn cho Số hiệu Bản chiếu 3">
+            <a:extLst>
+              <a:ext uri="{FF2B5EF4-FFF2-40B4-BE49-F238E27FC236}">
+                <a16:creationId xmlns:a16="http://schemas.microsoft.com/office/drawing/2014/main" id="{D481E96C-490F-44FD-A208-FCBD0904F70D}"/>
+              </a:ext>
+            </a:extLst>
+          </p:cNvPr>
+          <p:cNvSpPr>
+            <a:spLocks noGrp="1"/>
+          </p:cNvSpPr>
+          <p:nvPr>
+            <p:ph type="sldNum" sz="quarter" idx="12"/>
+          </p:nvPr>
+        </p:nvSpPr>
+        <p:spPr/>
+        <p:txBody>
+          <a:bodyPr/>
+          <a:lstStyle/>
+          <a:p>
+            <a:fld id="{369936ED-89B5-49BF-A03F-054AD1687037}" type="slidenum">
+              <a:rPr lang="vi-VN" smtClean="0"/>
+              <a:t>4</a:t>
+            </a:fld>
+            <a:endParaRPr lang="vi-VN"/>
+          </a:p>
+        </p:txBody>
+      </p:sp>
     </p:spTree>
     <p:extLst>
       <p:ext uri="{BB962C8B-B14F-4D97-AF65-F5344CB8AC3E}">
@@ -4395,6 +4512,35 @@
           </a:p>
         </p:txBody>
       </p:sp>
+      <p:sp>
+        <p:nvSpPr>
+          <p:cNvPr id="4" name="Chỗ dành sẵn cho Số hiệu Bản chiếu 3">
+            <a:extLst>
+              <a:ext uri="{FF2B5EF4-FFF2-40B4-BE49-F238E27FC236}">
+                <a16:creationId xmlns:a16="http://schemas.microsoft.com/office/drawing/2014/main" id="{F1E2EBC1-A829-4821-ADD6-E1270874A2A6}"/>
+              </a:ext>
+            </a:extLst>
+          </p:cNvPr>
+          <p:cNvSpPr>
+            <a:spLocks noGrp="1"/>
+          </p:cNvSpPr>
+          <p:nvPr>
+            <p:ph type="sldNum" sz="quarter" idx="12"/>
+          </p:nvPr>
+        </p:nvSpPr>
+        <p:spPr/>
+        <p:txBody>
+          <a:bodyPr/>
+          <a:lstStyle/>
+          <a:p>
+            <a:fld id="{369936ED-89B5-49BF-A03F-054AD1687037}" type="slidenum">
+              <a:rPr lang="vi-VN" smtClean="0"/>
+              <a:t>5</a:t>
+            </a:fld>
+            <a:endParaRPr lang="vi-VN"/>
+          </a:p>
+        </p:txBody>
+      </p:sp>
     </p:spTree>
     <p:extLst>
       <p:ext uri="{BB962C8B-B14F-4D97-AF65-F5344CB8AC3E}">
@@ -4454,8 +4600,8 @@
           </a:p>
         </p:txBody>
       </p:sp>
-      <mc:AlternateContent xmlns:mc="http://schemas.openxmlformats.org/markup-compatibility/2006">
-        <mc:Choice xmlns:a14="http://schemas.microsoft.com/office/drawing/2010/main" Requires="a14">
+      <mc:AlternateContent xmlns:mc="http://schemas.openxmlformats.org/markup-compatibility/2006" xmlns:a14="http://schemas.microsoft.com/office/drawing/2010/main">
+        <mc:Choice Requires="a14">
           <p:sp>
             <p:nvSpPr>
               <p:cNvPr id="3" name="Chỗ dành sẵn cho Nội dung 2">
@@ -4535,7 +4681,7 @@
             </p:txBody>
           </p:sp>
         </mc:Choice>
-        <mc:Fallback>
+        <mc:Fallback xmlns="">
           <p:sp>
             <p:nvSpPr>
               <p:cNvPr id="3" name="Chỗ dành sẵn cho Nội dung 2">
@@ -4575,6 +4721,35 @@
           </p:sp>
         </mc:Fallback>
       </mc:AlternateContent>
+      <p:sp>
+        <p:nvSpPr>
+          <p:cNvPr id="4" name="Chỗ dành sẵn cho Số hiệu Bản chiếu 3">
+            <a:extLst>
+              <a:ext uri="{FF2B5EF4-FFF2-40B4-BE49-F238E27FC236}">
+                <a16:creationId xmlns:a16="http://schemas.microsoft.com/office/drawing/2014/main" id="{B9572977-6B49-4915-A433-224B0AD84775}"/>
+              </a:ext>
+            </a:extLst>
+          </p:cNvPr>
+          <p:cNvSpPr>
+            <a:spLocks noGrp="1"/>
+          </p:cNvSpPr>
+          <p:nvPr>
+            <p:ph type="sldNum" sz="quarter" idx="12"/>
+          </p:nvPr>
+        </p:nvSpPr>
+        <p:spPr/>
+        <p:txBody>
+          <a:bodyPr/>
+          <a:lstStyle/>
+          <a:p>
+            <a:fld id="{369936ED-89B5-49BF-A03F-054AD1687037}" type="slidenum">
+              <a:rPr lang="vi-VN" smtClean="0"/>
+              <a:t>6</a:t>
+            </a:fld>
+            <a:endParaRPr lang="vi-VN"/>
+          </a:p>
+        </p:txBody>
+      </p:sp>
     </p:spTree>
     <p:extLst>
       <p:ext uri="{BB962C8B-B14F-4D97-AF65-F5344CB8AC3E}">
